--- a/smarthome.pptx
+++ b/smarthome.pptx
@@ -259,7 +259,7 @@
           <a:p>
             <a:fld id="{F8D7010B-20DA-430D-9F5D-3E5394720C1B}" type="datetimeFigureOut">
               <a:rPr lang="en-US" smtClean="0"/>
-              <a:t>2020-10-02</a:t>
+              <a:t>2020-10-09</a:t>
             </a:fld>
             <a:endParaRPr lang="en-US"/>
           </a:p>
@@ -457,7 +457,7 @@
           <a:p>
             <a:fld id="{F8D7010B-20DA-430D-9F5D-3E5394720C1B}" type="datetimeFigureOut">
               <a:rPr lang="en-US" smtClean="0"/>
-              <a:t>2020-10-02</a:t>
+              <a:t>2020-10-09</a:t>
             </a:fld>
             <a:endParaRPr lang="en-US"/>
           </a:p>
@@ -665,7 +665,7 @@
           <a:p>
             <a:fld id="{F8D7010B-20DA-430D-9F5D-3E5394720C1B}" type="datetimeFigureOut">
               <a:rPr lang="en-US" smtClean="0"/>
-              <a:t>2020-10-02</a:t>
+              <a:t>2020-10-09</a:t>
             </a:fld>
             <a:endParaRPr lang="en-US"/>
           </a:p>
@@ -863,7 +863,7 @@
           <a:p>
             <a:fld id="{F8D7010B-20DA-430D-9F5D-3E5394720C1B}" type="datetimeFigureOut">
               <a:rPr lang="en-US" smtClean="0"/>
-              <a:t>2020-10-02</a:t>
+              <a:t>2020-10-09</a:t>
             </a:fld>
             <a:endParaRPr lang="en-US"/>
           </a:p>
@@ -1138,7 +1138,7 @@
           <a:p>
             <a:fld id="{F8D7010B-20DA-430D-9F5D-3E5394720C1B}" type="datetimeFigureOut">
               <a:rPr lang="en-US" smtClean="0"/>
-              <a:t>2020-10-02</a:t>
+              <a:t>2020-10-09</a:t>
             </a:fld>
             <a:endParaRPr lang="en-US"/>
           </a:p>
@@ -1403,7 +1403,7 @@
           <a:p>
             <a:fld id="{F8D7010B-20DA-430D-9F5D-3E5394720C1B}" type="datetimeFigureOut">
               <a:rPr lang="en-US" smtClean="0"/>
-              <a:t>2020-10-02</a:t>
+              <a:t>2020-10-09</a:t>
             </a:fld>
             <a:endParaRPr lang="en-US"/>
           </a:p>
@@ -1815,7 +1815,7 @@
           <a:p>
             <a:fld id="{F8D7010B-20DA-430D-9F5D-3E5394720C1B}" type="datetimeFigureOut">
               <a:rPr lang="en-US" smtClean="0"/>
-              <a:t>2020-10-02</a:t>
+              <a:t>2020-10-09</a:t>
             </a:fld>
             <a:endParaRPr lang="en-US"/>
           </a:p>
@@ -1956,7 +1956,7 @@
           <a:p>
             <a:fld id="{F8D7010B-20DA-430D-9F5D-3E5394720C1B}" type="datetimeFigureOut">
               <a:rPr lang="en-US" smtClean="0"/>
-              <a:t>2020-10-02</a:t>
+              <a:t>2020-10-09</a:t>
             </a:fld>
             <a:endParaRPr lang="en-US"/>
           </a:p>
@@ -2069,7 +2069,7 @@
           <a:p>
             <a:fld id="{F8D7010B-20DA-430D-9F5D-3E5394720C1B}" type="datetimeFigureOut">
               <a:rPr lang="en-US" smtClean="0"/>
-              <a:t>2020-10-02</a:t>
+              <a:t>2020-10-09</a:t>
             </a:fld>
             <a:endParaRPr lang="en-US"/>
           </a:p>
@@ -2380,7 +2380,7 @@
           <a:p>
             <a:fld id="{F8D7010B-20DA-430D-9F5D-3E5394720C1B}" type="datetimeFigureOut">
               <a:rPr lang="en-US" smtClean="0"/>
-              <a:t>2020-10-02</a:t>
+              <a:t>2020-10-09</a:t>
             </a:fld>
             <a:endParaRPr lang="en-US"/>
           </a:p>
@@ -2668,7 +2668,7 @@
           <a:p>
             <a:fld id="{F8D7010B-20DA-430D-9F5D-3E5394720C1B}" type="datetimeFigureOut">
               <a:rPr lang="en-US" smtClean="0"/>
-              <a:t>2020-10-02</a:t>
+              <a:t>2020-10-09</a:t>
             </a:fld>
             <a:endParaRPr lang="en-US"/>
           </a:p>
@@ -2909,7 +2909,7 @@
           <a:p>
             <a:fld id="{F8D7010B-20DA-430D-9F5D-3E5394720C1B}" type="datetimeFigureOut">
               <a:rPr lang="en-US" smtClean="0"/>
-              <a:t>2020-10-02</a:t>
+              <a:t>2020-10-09</a:t>
             </a:fld>
             <a:endParaRPr lang="en-US"/>
           </a:p>
@@ -3344,7 +3344,7 @@
         </p:nvSpPr>
         <p:spPr>
           <a:xfrm>
-            <a:off x="1524000" y="954156"/>
+            <a:off x="1523999" y="36434"/>
             <a:ext cx="9144000" cy="1084815"/>
           </a:xfrm>
         </p:spPr>
@@ -3377,13 +3377,13 @@
         </p:nvSpPr>
         <p:spPr>
           <a:xfrm>
-            <a:off x="940904" y="2087217"/>
+            <a:off x="940903" y="1028883"/>
             <a:ext cx="9727096" cy="4690350"/>
           </a:xfrm>
         </p:spPr>
         <p:txBody>
           <a:bodyPr>
-            <a:normAutofit/>
+            <a:normAutofit fontScale="92500" lnSpcReduction="20000"/>
           </a:bodyPr>
           <a:lstStyle/>
           <a:p>
@@ -3397,7 +3397,97 @@
             <a:pPr algn="l"/>
             <a:r>
               <a:rPr lang="en-US" dirty="0"/>
-              <a:t>Parts: light sensor, camera, switches/dimmers, blinds, heaters, controller</a:t>
+              <a:t>Parts: </a:t>
+            </a:r>
+            <a:endParaRPr lang="lt-LT" dirty="0"/>
+          </a:p>
+          <a:p>
+            <a:pPr marL="342900" indent="-342900" algn="l">
+              <a:buFont typeface="Arial" panose="020B0604020202020204" pitchFamily="34" charset="0"/>
+              <a:buChar char="•"/>
+            </a:pPr>
+            <a:r>
+              <a:rPr lang="lt-LT" dirty="0" err="1"/>
+              <a:t>sensors</a:t>
+            </a:r>
+            <a:r>
+              <a:rPr lang="lt-LT" dirty="0"/>
+              <a:t> (</a:t>
+            </a:r>
+            <a:r>
+              <a:rPr lang="lt-LT" dirty="0" err="1"/>
+              <a:t>light</a:t>
+            </a:r>
+            <a:r>
+              <a:rPr lang="lt-LT" dirty="0"/>
+              <a:t>, </a:t>
+            </a:r>
+            <a:r>
+              <a:rPr lang="lt-LT" dirty="0" err="1"/>
+              <a:t>temperature</a:t>
+            </a:r>
+            <a:r>
+              <a:rPr lang="lt-LT" dirty="0"/>
+              <a:t>)</a:t>
+            </a:r>
+            <a:r>
+              <a:rPr lang="en-US" dirty="0"/>
+              <a:t>,</a:t>
+            </a:r>
+            <a:endParaRPr lang="lt-LT" dirty="0"/>
+          </a:p>
+          <a:p>
+            <a:pPr marL="342900" indent="-342900" algn="l">
+              <a:buFont typeface="Arial" panose="020B0604020202020204" pitchFamily="34" charset="0"/>
+              <a:buChar char="•"/>
+            </a:pPr>
+            <a:r>
+              <a:rPr lang="en-US" dirty="0"/>
+              <a:t>camera,</a:t>
+            </a:r>
+            <a:endParaRPr lang="lt-LT" dirty="0"/>
+          </a:p>
+          <a:p>
+            <a:pPr marL="342900" indent="-342900" algn="l">
+              <a:buFont typeface="Arial" panose="020B0604020202020204" pitchFamily="34" charset="0"/>
+              <a:buChar char="•"/>
+            </a:pPr>
+            <a:r>
+              <a:rPr lang="en-US" dirty="0"/>
+              <a:t>switches/dimmers,</a:t>
+            </a:r>
+            <a:endParaRPr lang="lt-LT" dirty="0"/>
+          </a:p>
+          <a:p>
+            <a:pPr marL="342900" indent="-342900" algn="l">
+              <a:buFont typeface="Arial" panose="020B0604020202020204" pitchFamily="34" charset="0"/>
+              <a:buChar char="•"/>
+            </a:pPr>
+            <a:r>
+              <a:rPr lang="en-US" dirty="0"/>
+              <a:t>blinds,</a:t>
+            </a:r>
+            <a:endParaRPr lang="lt-LT" dirty="0"/>
+          </a:p>
+          <a:p>
+            <a:pPr marL="342900" indent="-342900" algn="l">
+              <a:buFont typeface="Arial" panose="020B0604020202020204" pitchFamily="34" charset="0"/>
+              <a:buChar char="•"/>
+            </a:pPr>
+            <a:r>
+              <a:rPr lang="en-US" dirty="0"/>
+              <a:t>heaters,</a:t>
+            </a:r>
+            <a:endParaRPr lang="lt-LT" dirty="0"/>
+          </a:p>
+          <a:p>
+            <a:pPr marL="342900" indent="-342900" algn="l">
+              <a:buFont typeface="Arial" panose="020B0604020202020204" pitchFamily="34" charset="0"/>
+              <a:buChar char="•"/>
+            </a:pPr>
+            <a:r>
+              <a:rPr lang="en-US" dirty="0"/>
+              <a:t>controller</a:t>
             </a:r>
           </a:p>
           <a:p>
@@ -3526,7 +3616,7 @@
         <p:spPr>
           <a:xfrm>
             <a:off x="8568267" y="116867"/>
-            <a:ext cx="3361267" cy="923330"/>
+            <a:ext cx="3361267" cy="1200329"/>
           </a:xfrm>
           <a:prstGeom prst="rect">
             <a:avLst/>
@@ -3554,6 +3644,22 @@
             <a:r>
               <a:rPr lang="lt-LT" dirty="0"/>
               <a:t>Mockus Ugnius</a:t>
+            </a:r>
+            <a:endParaRPr lang="en-US" dirty="0"/>
+          </a:p>
+          <a:p>
+            <a:pPr algn="r"/>
+            <a:r>
+              <a:rPr lang="en-US" dirty="0" err="1"/>
+              <a:t>Saro</a:t>
+            </a:r>
+            <a:r>
+              <a:rPr lang="lt-LT" dirty="0" err="1"/>
+              <a:t>čka</a:t>
+            </a:r>
+            <a:r>
+              <a:rPr lang="lt-LT" dirty="0"/>
+              <a:t> Tomas</a:t>
             </a:r>
           </a:p>
           <a:p>
